--- a/RestArea/최종발표.pptx
+++ b/RestArea/최종발표.pptx
@@ -5,7 +5,7 @@
     <p:sldMasterId id="2147483648" r:id="rId1"/>
   </p:sldMasterIdLst>
   <p:notesMasterIdLst>
-    <p:notesMasterId r:id="rId8"/>
+    <p:notesMasterId r:id="rId9"/>
   </p:notesMasterIdLst>
   <p:sldIdLst>
     <p:sldId id="256" r:id="rId2"/>
@@ -13,7 +13,8 @@
     <p:sldId id="260" r:id="rId4"/>
     <p:sldId id="262" r:id="rId5"/>
     <p:sldId id="259" r:id="rId6"/>
-    <p:sldId id="263" r:id="rId7"/>
+    <p:sldId id="264" r:id="rId7"/>
+    <p:sldId id="263" r:id="rId8"/>
   </p:sldIdLst>
   <p:sldSz cx="12192000" cy="6858000"/>
   <p:notesSz cx="6858000" cy="9144000"/>
@@ -202,7 +203,7 @@
           <a:p>
             <a:fld id="{C8F67781-E306-4CC5-B7A2-8B28D100DDE2}" type="datetimeFigureOut">
               <a:rPr lang="ko-KR" altLang="en-US" smtClean="0"/>
-              <a:t>2019-06-16</a:t>
+              <a:t>2019-06-17</a:t>
             </a:fld>
             <a:endParaRPr lang="ko-KR" altLang="en-US"/>
           </a:p>
@@ -700,7 +701,7 @@
           <a:p>
             <a:fld id="{D51F59AD-288F-4121-8883-1664C7196BCF}" type="datetimeFigureOut">
               <a:rPr lang="ko-KR" altLang="en-US" smtClean="0"/>
-              <a:t>2019-06-16</a:t>
+              <a:t>2019-06-17</a:t>
             </a:fld>
             <a:endParaRPr lang="ko-KR" altLang="en-US"/>
           </a:p>
@@ -898,7 +899,7 @@
           <a:p>
             <a:fld id="{D51F59AD-288F-4121-8883-1664C7196BCF}" type="datetimeFigureOut">
               <a:rPr lang="ko-KR" altLang="en-US" smtClean="0"/>
-              <a:t>2019-06-16</a:t>
+              <a:t>2019-06-17</a:t>
             </a:fld>
             <a:endParaRPr lang="ko-KR" altLang="en-US"/>
           </a:p>
@@ -1106,7 +1107,7 @@
           <a:p>
             <a:fld id="{D51F59AD-288F-4121-8883-1664C7196BCF}" type="datetimeFigureOut">
               <a:rPr lang="ko-KR" altLang="en-US" smtClean="0"/>
-              <a:t>2019-06-16</a:t>
+              <a:t>2019-06-17</a:t>
             </a:fld>
             <a:endParaRPr lang="ko-KR" altLang="en-US"/>
           </a:p>
@@ -1304,7 +1305,7 @@
           <a:p>
             <a:fld id="{D51F59AD-288F-4121-8883-1664C7196BCF}" type="datetimeFigureOut">
               <a:rPr lang="ko-KR" altLang="en-US" smtClean="0"/>
-              <a:t>2019-06-16</a:t>
+              <a:t>2019-06-17</a:t>
             </a:fld>
             <a:endParaRPr lang="ko-KR" altLang="en-US"/>
           </a:p>
@@ -1579,7 +1580,7 @@
           <a:p>
             <a:fld id="{D51F59AD-288F-4121-8883-1664C7196BCF}" type="datetimeFigureOut">
               <a:rPr lang="ko-KR" altLang="en-US" smtClean="0"/>
-              <a:t>2019-06-16</a:t>
+              <a:t>2019-06-17</a:t>
             </a:fld>
             <a:endParaRPr lang="ko-KR" altLang="en-US"/>
           </a:p>
@@ -1844,7 +1845,7 @@
           <a:p>
             <a:fld id="{D51F59AD-288F-4121-8883-1664C7196BCF}" type="datetimeFigureOut">
               <a:rPr lang="ko-KR" altLang="en-US" smtClean="0"/>
-              <a:t>2019-06-16</a:t>
+              <a:t>2019-06-17</a:t>
             </a:fld>
             <a:endParaRPr lang="ko-KR" altLang="en-US"/>
           </a:p>
@@ -2256,7 +2257,7 @@
           <a:p>
             <a:fld id="{D51F59AD-288F-4121-8883-1664C7196BCF}" type="datetimeFigureOut">
               <a:rPr lang="ko-KR" altLang="en-US" smtClean="0"/>
-              <a:t>2019-06-16</a:t>
+              <a:t>2019-06-17</a:t>
             </a:fld>
             <a:endParaRPr lang="ko-KR" altLang="en-US"/>
           </a:p>
@@ -2397,7 +2398,7 @@
           <a:p>
             <a:fld id="{D51F59AD-288F-4121-8883-1664C7196BCF}" type="datetimeFigureOut">
               <a:rPr lang="ko-KR" altLang="en-US" smtClean="0"/>
-              <a:t>2019-06-16</a:t>
+              <a:t>2019-06-17</a:t>
             </a:fld>
             <a:endParaRPr lang="ko-KR" altLang="en-US"/>
           </a:p>
@@ -2510,7 +2511,7 @@
           <a:p>
             <a:fld id="{D51F59AD-288F-4121-8883-1664C7196BCF}" type="datetimeFigureOut">
               <a:rPr lang="ko-KR" altLang="en-US" smtClean="0"/>
-              <a:t>2019-06-16</a:t>
+              <a:t>2019-06-17</a:t>
             </a:fld>
             <a:endParaRPr lang="ko-KR" altLang="en-US"/>
           </a:p>
@@ -2821,7 +2822,7 @@
           <a:p>
             <a:fld id="{D51F59AD-288F-4121-8883-1664C7196BCF}" type="datetimeFigureOut">
               <a:rPr lang="ko-KR" altLang="en-US" smtClean="0"/>
-              <a:t>2019-06-16</a:t>
+              <a:t>2019-06-17</a:t>
             </a:fld>
             <a:endParaRPr lang="ko-KR" altLang="en-US"/>
           </a:p>
@@ -3109,7 +3110,7 @@
           <a:p>
             <a:fld id="{D51F59AD-288F-4121-8883-1664C7196BCF}" type="datetimeFigureOut">
               <a:rPr lang="ko-KR" altLang="en-US" smtClean="0"/>
-              <a:t>2019-06-16</a:t>
+              <a:t>2019-06-17</a:t>
             </a:fld>
             <a:endParaRPr lang="ko-KR" altLang="en-US"/>
           </a:p>
@@ -3350,7 +3351,7 @@
           <a:p>
             <a:fld id="{D51F59AD-288F-4121-8883-1664C7196BCF}" type="datetimeFigureOut">
               <a:rPr lang="ko-KR" altLang="en-US" smtClean="0"/>
-              <a:t>2019-06-16</a:t>
+              <a:t>2019-06-17</a:t>
             </a:fld>
             <a:endParaRPr lang="ko-KR" altLang="en-US"/>
           </a:p>
@@ -4414,8 +4415,8 @@
         </p:nvSpPr>
         <p:spPr>
           <a:xfrm>
-            <a:off x="4379167" y="0"/>
-            <a:ext cx="3433665" cy="1325563"/>
+            <a:off x="4501717" y="0"/>
+            <a:ext cx="3105715" cy="1325563"/>
           </a:xfrm>
         </p:spPr>
         <p:txBody>
@@ -5854,7 +5855,7 @@
         </p:nvGraphicFramePr>
         <p:xfrm>
           <a:off x="295927" y="333829"/>
-          <a:ext cx="9580227" cy="5983209"/>
+          <a:ext cx="9580227" cy="5620977"/>
         </p:xfrm>
         <a:graphic>
           <a:graphicData uri="http://schemas.openxmlformats.org/drawingml/2006/table">
@@ -7016,6 +7017,138 @@
           <p:cNvPr id="2" name="제목 1">
             <a:extLst>
               <a:ext uri="{FF2B5EF4-FFF2-40B4-BE49-F238E27FC236}">
+                <a16:creationId xmlns:a16="http://schemas.microsoft.com/office/drawing/2014/main" id="{103127B4-C7A0-4953-8F52-BE4720C18631}"/>
+              </a:ext>
+            </a:extLst>
+          </p:cNvPr>
+          <p:cNvSpPr>
+            <a:spLocks noGrp="1"/>
+          </p:cNvSpPr>
+          <p:nvPr>
+            <p:ph type="title"/>
+          </p:nvPr>
+        </p:nvSpPr>
+        <p:spPr>
+          <a:xfrm>
+            <a:off x="102909" y="157736"/>
+            <a:ext cx="1650476" cy="501652"/>
+          </a:xfrm>
+        </p:spPr>
+        <p:txBody>
+          <a:bodyPr>
+            <a:noAutofit/>
+          </a:bodyPr>
+          <a:lstStyle/>
+          <a:p>
+            <a:r>
+              <a:rPr lang="en-US" altLang="ko-KR" sz="6600" dirty="0">
+                <a:latin typeface="12롯데마트행복Bold" panose="02020603020101020101" pitchFamily="18" charset="-127"/>
+                <a:ea typeface="12롯데마트행복Bold" panose="02020603020101020101" pitchFamily="18" charset="-127"/>
+              </a:rPr>
+              <a:t>Git</a:t>
+            </a:r>
+            <a:endParaRPr lang="ko-KR" altLang="en-US" sz="6600" dirty="0">
+              <a:latin typeface="12롯데마트행복Bold" panose="02020603020101020101" pitchFamily="18" charset="-127"/>
+              <a:ea typeface="12롯데마트행복Bold" panose="02020603020101020101" pitchFamily="18" charset="-127"/>
+            </a:endParaRPr>
+          </a:p>
+        </p:txBody>
+      </p:sp>
+      <p:pic>
+        <p:nvPicPr>
+          <p:cNvPr id="4" name="그림 3">
+            <a:extLst>
+              <a:ext uri="{FF2B5EF4-FFF2-40B4-BE49-F238E27FC236}">
+                <a16:creationId xmlns:a16="http://schemas.microsoft.com/office/drawing/2014/main" id="{06BEC2DC-A9EC-412F-8FA6-E479CDDD15A6}"/>
+              </a:ext>
+            </a:extLst>
+          </p:cNvPr>
+          <p:cNvPicPr>
+            <a:picLocks noChangeAspect="1"/>
+          </p:cNvPicPr>
+          <p:nvPr/>
+        </p:nvPicPr>
+        <p:blipFill>
+          <a:blip r:embed="rId2"/>
+          <a:stretch>
+            <a:fillRect/>
+          </a:stretch>
+        </p:blipFill>
+        <p:spPr>
+          <a:xfrm>
+            <a:off x="157162" y="741643"/>
+            <a:ext cx="11877675" cy="847725"/>
+          </a:xfrm>
+          <a:prstGeom prst="rect">
+            <a:avLst/>
+          </a:prstGeom>
+        </p:spPr>
+      </p:pic>
+      <p:pic>
+        <p:nvPicPr>
+          <p:cNvPr id="5" name="그림 4">
+            <a:extLst>
+              <a:ext uri="{FF2B5EF4-FFF2-40B4-BE49-F238E27FC236}">
+                <a16:creationId xmlns:a16="http://schemas.microsoft.com/office/drawing/2014/main" id="{A7596386-93C3-44DC-8A0B-AC033AE1DD28}"/>
+              </a:ext>
+            </a:extLst>
+          </p:cNvPr>
+          <p:cNvPicPr>
+            <a:picLocks noChangeAspect="1"/>
+          </p:cNvPicPr>
+          <p:nvPr/>
+        </p:nvPicPr>
+        <p:blipFill>
+          <a:blip r:embed="rId3"/>
+          <a:stretch>
+            <a:fillRect/>
+          </a:stretch>
+        </p:blipFill>
+        <p:spPr>
+          <a:xfrm>
+            <a:off x="2013455" y="1514407"/>
+            <a:ext cx="8165089" cy="5583976"/>
+          </a:xfrm>
+          <a:prstGeom prst="rect">
+            <a:avLst/>
+          </a:prstGeom>
+        </p:spPr>
+      </p:pic>
+    </p:spTree>
+    <p:extLst>
+      <p:ext uri="{BB962C8B-B14F-4D97-AF65-F5344CB8AC3E}">
+        <p14:creationId xmlns:p14="http://schemas.microsoft.com/office/powerpoint/2010/main" val="1480889237"/>
+      </p:ext>
+    </p:extLst>
+  </p:cSld>
+  <p:clrMapOvr>
+    <a:masterClrMapping/>
+  </p:clrMapOvr>
+</p:sld>
+</file>
+
+<file path=ppt/slides/slide7.xml><?xml version="1.0" encoding="utf-8"?>
+<p:sld xmlns:a="http://schemas.openxmlformats.org/drawingml/2006/main" xmlns:r="http://schemas.openxmlformats.org/officeDocument/2006/relationships" xmlns:p="http://schemas.openxmlformats.org/presentationml/2006/main">
+  <p:cSld>
+    <p:spTree>
+      <p:nvGrpSpPr>
+        <p:cNvPr id="1" name=""/>
+        <p:cNvGrpSpPr/>
+        <p:nvPr/>
+      </p:nvGrpSpPr>
+      <p:grpSpPr>
+        <a:xfrm>
+          <a:off x="0" y="0"/>
+          <a:ext cx="0" cy="0"/>
+          <a:chOff x="0" y="0"/>
+          <a:chExt cx="0" cy="0"/>
+        </a:xfrm>
+      </p:grpSpPr>
+      <p:sp>
+        <p:nvSpPr>
+          <p:cNvPr id="2" name="제목 1">
+            <a:extLst>
+              <a:ext uri="{FF2B5EF4-FFF2-40B4-BE49-F238E27FC236}">
                 <a16:creationId xmlns:a16="http://schemas.microsoft.com/office/drawing/2014/main" id="{91F0EA43-57E3-45F9-BE69-607835023C12}"/>
               </a:ext>
             </a:extLst>

--- a/RestArea/최종발표.pptx
+++ b/RestArea/최종발표.pptx
@@ -3936,6 +3936,61 @@
       </p:grpSpPr>
       <p:sp>
         <p:nvSpPr>
+          <p:cNvPr id="10" name="직사각형 9">
+            <a:extLst>
+              <a:ext uri="{FF2B5EF4-FFF2-40B4-BE49-F238E27FC236}">
+                <a16:creationId xmlns:a16="http://schemas.microsoft.com/office/drawing/2014/main" id="{860DC873-FE2E-4CAE-A347-0EF78393AAF5}"/>
+              </a:ext>
+            </a:extLst>
+          </p:cNvPr>
+          <p:cNvSpPr/>
+          <p:nvPr/>
+        </p:nvSpPr>
+        <p:spPr>
+          <a:xfrm>
+            <a:off x="3851004" y="5582842"/>
+            <a:ext cx="3501518" cy="166680"/>
+          </a:xfrm>
+          <a:prstGeom prst="rect">
+            <a:avLst/>
+          </a:prstGeom>
+          <a:solidFill>
+            <a:schemeClr val="accent4">
+              <a:lumMod val="40000"/>
+              <a:lumOff val="60000"/>
+            </a:schemeClr>
+          </a:solidFill>
+          <a:ln>
+            <a:noFill/>
+          </a:ln>
+        </p:spPr>
+        <p:style>
+          <a:lnRef idx="2">
+            <a:schemeClr val="accent1">
+              <a:shade val="50000"/>
+            </a:schemeClr>
+          </a:lnRef>
+          <a:fillRef idx="1">
+            <a:schemeClr val="accent1"/>
+          </a:fillRef>
+          <a:effectRef idx="0">
+            <a:schemeClr val="accent1"/>
+          </a:effectRef>
+          <a:fontRef idx="minor">
+            <a:schemeClr val="lt1"/>
+          </a:fontRef>
+        </p:style>
+        <p:txBody>
+          <a:bodyPr rtlCol="0" anchor="ctr"/>
+          <a:lstStyle/>
+          <a:p>
+            <a:pPr algn="ctr"/>
+            <a:endParaRPr lang="ko-KR" altLang="en-US" dirty="0"/>
+          </a:p>
+        </p:txBody>
+      </p:sp>
+      <p:sp>
+        <p:nvSpPr>
           <p:cNvPr id="8" name="직사각형 7">
             <a:extLst>
               <a:ext uri="{FF2B5EF4-FFF2-40B4-BE49-F238E27FC236}">
@@ -4207,7 +4262,7 @@
         <p:spPr>
           <a:xfrm>
             <a:off x="3766508" y="1819072"/>
-            <a:ext cx="5198859" cy="3219856"/>
+            <a:ext cx="5198859" cy="4027769"/>
           </a:xfrm>
           <a:prstGeom prst="rect">
             <a:avLst/>
@@ -4257,6 +4312,18 @@
               <a:t>개발 일정 및 진행 상황</a:t>
             </a:r>
             <a:endParaRPr lang="en-US" altLang="ko-KR" sz="3500" dirty="0"/>
+          </a:p>
+          <a:p>
+            <a:pPr marL="342900" indent="-342900">
+              <a:lnSpc>
+                <a:spcPct val="150000"/>
+              </a:lnSpc>
+              <a:buAutoNum type="arabicPeriod"/>
+            </a:pPr>
+            <a:r>
+              <a:rPr lang="en-US" altLang="ko-KR" sz="3500" dirty="0"/>
+              <a:t>Git</a:t>
+            </a:r>
           </a:p>
           <a:p>
             <a:pPr marL="342900" indent="-342900">
